--- a/artifacts/demo/0_Bytes_SlideOverview.pptx
+++ b/artifacts/demo/0_Bytes_SlideOverview.pptx
@@ -236,7 +236,7 @@
           <a:p>
             <a:fld id="{89002DD7-1FA5-4BD7-9ADF-1DA0B2C86E84}" type="datetimeFigureOut">
               <a:rPr lang="en-IN" smtClean="0"/>
-              <a:t>25-03-2025</a:t>
+              <a:t>26-03-2025</a:t>
             </a:fld>
             <a:endParaRPr lang="en-IN"/>
           </a:p>
@@ -1182,7 +1182,7 @@
           <a:p>
             <a:fld id="{C128FA71-3A18-48C0-980F-4B68F7F63042}" type="datetime1">
               <a:rPr lang="en-US" smtClean="0"/>
-              <a:t>3/25/2025</a:t>
+              <a:t>3/26/2025</a:t>
             </a:fld>
             <a:endParaRPr lang="en-US"/>
           </a:p>
@@ -1390,7 +1390,7 @@
           <a:p>
             <a:fld id="{7104EDB3-C0E8-45F8-9E1D-1B6C8D1880C0}" type="datetime1">
               <a:rPr lang="en-US" smtClean="0"/>
-              <a:t>3/25/2025</a:t>
+              <a:t>3/26/2025</a:t>
             </a:fld>
             <a:endParaRPr lang="en-US"/>
           </a:p>
@@ -1600,7 +1600,7 @@
           <a:p>
             <a:fld id="{9CF0EC4B-54ED-4041-B552-9BA760FA3DBA}" type="datetime1">
               <a:rPr lang="en-US" smtClean="0"/>
-              <a:t>3/25/2025</a:t>
+              <a:t>3/26/2025</a:t>
             </a:fld>
             <a:endParaRPr lang="en-US"/>
           </a:p>
@@ -1798,7 +1798,7 @@
           <a:p>
             <a:fld id="{51C1210E-201E-4473-82AC-2466F5386C38}" type="datetime1">
               <a:rPr lang="en-US" smtClean="0"/>
-              <a:t>3/25/2025</a:t>
+              <a:t>3/26/2025</a:t>
             </a:fld>
             <a:endParaRPr lang="en-US"/>
           </a:p>
@@ -2076,7 +2076,7 @@
           <a:p>
             <a:fld id="{B01EA198-6CAB-4B8F-B93F-1F9C8C4B6CE7}" type="datetime1">
               <a:rPr lang="en-US" smtClean="0"/>
-              <a:t>3/25/2025</a:t>
+              <a:t>3/26/2025</a:t>
             </a:fld>
             <a:endParaRPr lang="en-US"/>
           </a:p>
@@ -2348,7 +2348,7 @@
           <a:p>
             <a:fld id="{CA06041F-4525-44D5-AA4F-332294BF1F56}" type="datetime1">
               <a:rPr lang="en-US" smtClean="0"/>
-              <a:t>3/25/2025</a:t>
+              <a:t>3/26/2025</a:t>
             </a:fld>
             <a:endParaRPr lang="en-US"/>
           </a:p>
@@ -2772,7 +2772,7 @@
           <a:p>
             <a:fld id="{F9557091-BBDF-4EB9-BA6B-2BB67AC4FC0F}" type="datetime1">
               <a:rPr lang="en-US" smtClean="0"/>
-              <a:t>3/25/2025</a:t>
+              <a:t>3/26/2025</a:t>
             </a:fld>
             <a:endParaRPr lang="en-US"/>
           </a:p>
@@ -2913,7 +2913,7 @@
           <a:p>
             <a:fld id="{2D6B226B-77A6-410C-9796-083F278E0125}" type="datetime1">
               <a:rPr lang="en-US" smtClean="0"/>
-              <a:t>3/25/2025</a:t>
+              <a:t>3/26/2025</a:t>
             </a:fld>
             <a:endParaRPr lang="en-US"/>
           </a:p>
@@ -3026,7 +3026,7 @@
           <a:p>
             <a:fld id="{A23A578B-D289-4C40-8593-3D356C49DA58}" type="datetime1">
               <a:rPr lang="en-US" smtClean="0"/>
-              <a:t>3/25/2025</a:t>
+              <a:t>3/26/2025</a:t>
             </a:fld>
             <a:endParaRPr lang="en-US"/>
           </a:p>
@@ -3345,7 +3345,7 @@
           <a:p>
             <a:fld id="{713DFAE3-14DB-48A7-A80F-80DDB072CE3D}" type="datetime1">
               <a:rPr lang="en-US" smtClean="0"/>
-              <a:t>3/25/2025</a:t>
+              <a:t>3/26/2025</a:t>
             </a:fld>
             <a:endParaRPr lang="en-US"/>
           </a:p>
@@ -3639,7 +3639,7 @@
           <a:p>
             <a:fld id="{92C5EAEF-6478-4102-8F5D-A5FE9FC97ACB}" type="datetime1">
               <a:rPr lang="en-US" smtClean="0"/>
-              <a:t>3/25/2025</a:t>
+              <a:t>3/26/2025</a:t>
             </a:fld>
             <a:endParaRPr lang="en-US"/>
           </a:p>
@@ -3880,7 +3880,7 @@
           <a:p>
             <a:fld id="{67F45AC6-C491-4585-A584-9CE2AF7D5500}" type="datetime1">
               <a:rPr lang="en-US" smtClean="0"/>
-              <a:t>3/25/2025</a:t>
+              <a:t>3/26/2025</a:t>
             </a:fld>
             <a:endParaRPr lang="en-US"/>
           </a:p>
@@ -5921,7 +5921,7 @@
         <p:spPr>
           <a:xfrm>
             <a:off x="20" y="141514"/>
-            <a:ext cx="4910308" cy="6716486"/>
+            <a:ext cx="4910308" cy="3635829"/>
           </a:xfrm>
           <a:prstGeom prst="rect">
             <a:avLst/>
@@ -7958,7 +7958,7 @@
         </p:spPr>
         <p:txBody>
           <a:bodyPr>
-            <a:normAutofit fontScale="92500" lnSpcReduction="20000"/>
+            <a:normAutofit lnSpcReduction="10000"/>
           </a:bodyPr>
           <a:lstStyle/>
           <a:p>
@@ -7994,31 +7994,16 @@
           <a:p>
             <a:r>
               <a:rPr lang="en-IN" dirty="0"/>
-              <a:t>OpenAI- Gemini 2.0, Crewai</a:t>
-            </a:r>
-          </a:p>
-          <a:p>
-            <a:r>
-              <a:rPr lang="en-IN" dirty="0">
-                <a:solidFill>
-                  <a:srgbClr val="000000"/>
-                </a:solidFill>
-              </a:rPr>
-              <a:t>T</a:t>
-            </a:r>
-            <a:r>
-              <a:rPr lang="en-IN" dirty="0">
-                <a:solidFill>
-                  <a:srgbClr val="000000"/>
-                </a:solidFill>
-                <a:effectLst/>
-              </a:rPr>
-              <a:t>ransformers-Hugging Face</a:t>
-            </a:r>
-          </a:p>
-          <a:p>
-            <a:r>
-              <a:rPr lang="en-IN" dirty="0">
+              <a:t>OpenAI- Gemini 2.0</a:t>
+            </a:r>
+            <a:r>
+              <a:rPr lang="en-IN"/>
+              <a:t>, Crewai</a:t>
+            </a:r>
+          </a:p>
+          <a:p>
+            <a:r>
+              <a:rPr lang="en-IN">
                 <a:solidFill>
                   <a:srgbClr val="000000"/>
                 </a:solidFill>
@@ -8026,6 +8011,12 @@
               </a:rPr>
               <a:t>Pytesseract</a:t>
             </a:r>
+            <a:endParaRPr lang="en-IN" dirty="0">
+              <a:solidFill>
+                <a:srgbClr val="000000"/>
+              </a:solidFill>
+              <a:effectLst/>
+            </a:endParaRPr>
           </a:p>
           <a:p>
             <a:r>

--- a/artifacts/demo/0_Bytes_SlideOverview.pptx
+++ b/artifacts/demo/0_Bytes_SlideOverview.pptx
@@ -7839,7 +7839,12 @@
             <p:ph type="title"/>
           </p:nvPr>
         </p:nvSpPr>
-        <p:spPr/>
+        <p:spPr>
+          <a:xfrm>
+            <a:off x="859100" y="914256"/>
+            <a:ext cx="10741152" cy="1132258"/>
+          </a:xfrm>
+        </p:spPr>
         <p:txBody>
           <a:bodyPr/>
           <a:lstStyle/>
@@ -7851,31 +7856,69 @@
           </a:p>
         </p:txBody>
       </p:sp>
-      <p:sp>
-        <p:nvSpPr>
-          <p:cNvPr id="3" name="Content Placeholder 2">
-            <a:extLst>
-              <a:ext uri="{FF2B5EF4-FFF2-40B4-BE49-F238E27FC236}">
-                <a16:creationId xmlns:a16="http://schemas.microsoft.com/office/drawing/2014/main" id="{DDE2A76A-6AF3-9FB5-76AC-540C5FE21DCE}"/>
-              </a:ext>
-            </a:extLst>
-          </p:cNvPr>
-          <p:cNvSpPr>
-            <a:spLocks noGrp="1"/>
-          </p:cNvSpPr>
-          <p:nvPr>
-            <p:ph sz="half" idx="1"/>
-          </p:nvPr>
-        </p:nvSpPr>
-        <p:spPr/>
-        <p:txBody>
-          <a:bodyPr/>
-          <a:lstStyle/>
-          <a:p>
-            <a:endParaRPr lang="en-IN"/>
-          </a:p>
-        </p:txBody>
-      </p:sp>
+      <p:graphicFrame>
+        <p:nvGraphicFramePr>
+          <p:cNvPr id="9" name="Object 8">
+            <a:extLst>
+              <a:ext uri="{FF2B5EF4-FFF2-40B4-BE49-F238E27FC236}">
+                <a16:creationId xmlns:a16="http://schemas.microsoft.com/office/drawing/2014/main" id="{795DCB46-753B-79D1-441E-AB4855A412FF}"/>
+              </a:ext>
+            </a:extLst>
+          </p:cNvPr>
+          <p:cNvGraphicFramePr>
+            <a:graphicFrameLocks noChangeAspect="1"/>
+          </p:cNvGraphicFramePr>
+          <p:nvPr>
+            <p:extLst>
+              <p:ext uri="{D42A27DB-BD31-4B8C-83A1-F6EECF244321}">
+                <p14:modId xmlns:p14="http://schemas.microsoft.com/office/powerpoint/2010/main" val="2668696370"/>
+              </p:ext>
+            </p:extLst>
+          </p:nvPr>
+        </p:nvGraphicFramePr>
+        <p:xfrm>
+          <a:off x="4354285" y="2890611"/>
+          <a:ext cx="3015343" cy="2769960"/>
+        </p:xfrm>
+        <a:graphic>
+          <a:graphicData uri="http://schemas.openxmlformats.org/presentationml/2006/ole">
+            <mc:AlternateContent xmlns:mc="http://schemas.openxmlformats.org/markup-compatibility/2006">
+              <mc:Choice xmlns:v="urn:schemas-microsoft-com:vml" Requires="v">
+                <p:oleObj name="Packager Shell Object" showAsIcon="1" r:id="rId2" imgW="914400" imgH="792685" progId="Package">
+                  <p:embed/>
+                </p:oleObj>
+              </mc:Choice>
+              <mc:Fallback>
+                <p:oleObj name="Packager Shell Object" showAsIcon="1" r:id="rId2" imgW="914400" imgH="792685" progId="Package">
+                  <p:embed/>
+                  <p:pic>
+                    <p:nvPicPr>
+                      <p:cNvPr id="0" name=""/>
+                      <p:cNvPicPr/>
+                      <p:nvPr/>
+                    </p:nvPicPr>
+                    <p:blipFill>
+                      <a:blip r:embed="rId3"/>
+                      <a:stretch>
+                        <a:fillRect/>
+                      </a:stretch>
+                    </p:blipFill>
+                    <p:spPr>
+                      <a:xfrm>
+                        <a:off x="4354285" y="2890611"/>
+                        <a:ext cx="3015343" cy="2769960"/>
+                      </a:xfrm>
+                      <a:prstGeom prst="rect">
+                        <a:avLst/>
+                      </a:prstGeom>
+                    </p:spPr>
+                  </p:pic>
+                </p:oleObj>
+              </mc:Fallback>
+            </mc:AlternateContent>
+          </a:graphicData>
+        </a:graphic>
+      </p:graphicFrame>
     </p:spTree>
     <p:extLst>
       <p:ext uri="{BB962C8B-B14F-4D97-AF65-F5344CB8AC3E}">
